--- a/第4章-函数与模块化编程/第4章-函数与模块化编程.pptx
+++ b/第4章-函数与模块化编程/第4章-函数与模块化编程.pptx
@@ -451,14 +451,6 @@
 </p:cmAuthorLst>
 </file>
 
-<file path=ppt/revisionInfo.xml><?xml version="1.0" encoding="utf-8"?>
-<p1510:revInfo xmlns:a="http://schemas.openxmlformats.org/drawingml/2006/main" xmlns:r="http://schemas.openxmlformats.org/officeDocument/2006/relationships" xmlns:p1510="http://schemas.microsoft.com/office/powerpoint/2015/10/main">
-  <p1510:revLst>
-    <p1510:client id="{D14C59B8-0981-EC4B-B26C-2D65043E6DB4}" v="23" dt="2025-06-01T09:04:08.217"/>
-  </p1510:revLst>
-</p1510:revInfo>
-</file>
-
 <file path=ppt/changesInfos/changesInfo1.xml><?xml version="1.0" encoding="utf-8"?>
 <pc:chgInfo xmlns:a="http://schemas.openxmlformats.org/drawingml/2006/main" xmlns:r="http://schemas.openxmlformats.org/officeDocument/2006/relationships" xmlns:ac="http://schemas.microsoft.com/office/drawing/2013/main/command" xmlns:pc="http://schemas.microsoft.com/office/powerpoint/2013/main/command">
   <pc:docChgLst>
@@ -518,30 +510,6 @@
           <pc:docMk/>
           <pc:sldMk cId="1576120367" sldId="2387"/>
         </pc:sldMkLst>
-        <pc:spChg chg="mod">
-          <ac:chgData name="Xin Luo" userId="82312ee5779919a4" providerId="LiveId" clId="{D14C59B8-0981-EC4B-B26C-2D65043E6DB4}" dt="2025-05-25T10:19:38.200" v="67" actId="20577"/>
-          <ac:spMkLst>
-            <pc:docMk/>
-            <pc:sldMk cId="1576120367" sldId="2387"/>
-            <ac:spMk id="5" creationId="{494DAA55-5621-28DB-D255-E0EBB6C6477B}"/>
-          </ac:spMkLst>
-        </pc:spChg>
-        <pc:spChg chg="mod">
-          <ac:chgData name="Xin Luo" userId="82312ee5779919a4" providerId="LiveId" clId="{D14C59B8-0981-EC4B-B26C-2D65043E6DB4}" dt="2025-05-25T10:21:09.231" v="163" actId="20577"/>
-          <ac:spMkLst>
-            <pc:docMk/>
-            <pc:sldMk cId="1576120367" sldId="2387"/>
-            <ac:spMk id="12" creationId="{00000000-0000-0000-0000-000000000000}"/>
-          </ac:spMkLst>
-        </pc:spChg>
-        <pc:spChg chg="mod">
-          <ac:chgData name="Xin Luo" userId="82312ee5779919a4" providerId="LiveId" clId="{D14C59B8-0981-EC4B-B26C-2D65043E6DB4}" dt="2025-05-25T10:21:06.057" v="161" actId="20577"/>
-          <ac:spMkLst>
-            <pc:docMk/>
-            <pc:sldMk cId="1576120367" sldId="2387"/>
-            <ac:spMk id="14" creationId="{00000000-0000-0000-0000-000000000000}"/>
-          </ac:spMkLst>
-        </pc:spChg>
       </pc:sldChg>
       <pc:sldChg chg="modSp mod">
         <pc:chgData name="Xin Luo" userId="82312ee5779919a4" providerId="LiveId" clId="{D14C59B8-0981-EC4B-B26C-2D65043E6DB4}" dt="2025-05-25T10:21:20.908" v="164" actId="20577"/>
@@ -549,14 +517,6 @@
           <pc:docMk/>
           <pc:sldMk cId="2415901206" sldId="2447"/>
         </pc:sldMkLst>
-        <pc:spChg chg="mod">
-          <ac:chgData name="Xin Luo" userId="82312ee5779919a4" providerId="LiveId" clId="{D14C59B8-0981-EC4B-B26C-2D65043E6DB4}" dt="2025-05-25T10:21:20.908" v="164" actId="20577"/>
-          <ac:spMkLst>
-            <pc:docMk/>
-            <pc:sldMk cId="2415901206" sldId="2447"/>
-            <ac:spMk id="7" creationId="{00000000-0000-0000-0000-000000000000}"/>
-          </ac:spMkLst>
-        </pc:spChg>
       </pc:sldChg>
       <pc:sldChg chg="modSp mod">
         <pc:chgData name="Xin Luo" userId="82312ee5779919a4" providerId="LiveId" clId="{D14C59B8-0981-EC4B-B26C-2D65043E6DB4}" dt="2025-05-25T10:21:32.920" v="188" actId="20577"/>
@@ -564,14 +524,6 @@
           <pc:docMk/>
           <pc:sldMk cId="481122590" sldId="2709"/>
         </pc:sldMkLst>
-        <pc:spChg chg="mod">
-          <ac:chgData name="Xin Luo" userId="82312ee5779919a4" providerId="LiveId" clId="{D14C59B8-0981-EC4B-B26C-2D65043E6DB4}" dt="2025-05-25T10:21:32.920" v="188" actId="20577"/>
-          <ac:spMkLst>
-            <pc:docMk/>
-            <pc:sldMk cId="481122590" sldId="2709"/>
-            <ac:spMk id="7" creationId="{00000000-0000-0000-0000-000000000000}"/>
-          </ac:spMkLst>
-        </pc:spChg>
       </pc:sldChg>
       <pc:sldChg chg="modSp mod">
         <pc:chgData name="Xin Luo" userId="82312ee5779919a4" providerId="LiveId" clId="{D14C59B8-0981-EC4B-B26C-2D65043E6DB4}" dt="2025-05-25T10:21:57.525" v="205" actId="20577"/>
@@ -579,14 +531,6 @@
           <pc:docMk/>
           <pc:sldMk cId="972163772" sldId="2720"/>
         </pc:sldMkLst>
-        <pc:spChg chg="mod">
-          <ac:chgData name="Xin Luo" userId="82312ee5779919a4" providerId="LiveId" clId="{D14C59B8-0981-EC4B-B26C-2D65043E6DB4}" dt="2025-05-25T10:21:57.525" v="205" actId="20577"/>
-          <ac:spMkLst>
-            <pc:docMk/>
-            <pc:sldMk cId="972163772" sldId="2720"/>
-            <ac:spMk id="7" creationId="{00000000-0000-0000-0000-000000000000}"/>
-          </ac:spMkLst>
-        </pc:spChg>
       </pc:sldChg>
       <pc:sldChg chg="addSp delSp modSp mod">
         <pc:chgData name="Xin Luo" userId="82312ee5779919a4" providerId="LiveId" clId="{D14C59B8-0981-EC4B-B26C-2D65043E6DB4}" dt="2025-06-01T03:22:25.060" v="2669" actId="14100"/>
@@ -594,30 +538,6 @@
           <pc:docMk/>
           <pc:sldMk cId="3053350483" sldId="2729"/>
         </pc:sldMkLst>
-        <pc:spChg chg="mod">
-          <ac:chgData name="Xin Luo" userId="82312ee5779919a4" providerId="LiveId" clId="{D14C59B8-0981-EC4B-B26C-2D65043E6DB4}" dt="2025-06-01T03:21:50.382" v="2661" actId="2710"/>
-          <ac:spMkLst>
-            <pc:docMk/>
-            <pc:sldMk cId="3053350483" sldId="2729"/>
-            <ac:spMk id="2" creationId="{631AADB6-C88A-D817-4683-FC087E4E240F}"/>
-          </ac:spMkLst>
-        </pc:spChg>
-        <pc:spChg chg="add mod">
-          <ac:chgData name="Xin Luo" userId="82312ee5779919a4" providerId="LiveId" clId="{D14C59B8-0981-EC4B-B26C-2D65043E6DB4}" dt="2025-06-01T03:22:25.060" v="2669" actId="14100"/>
-          <ac:spMkLst>
-            <pc:docMk/>
-            <pc:sldMk cId="3053350483" sldId="2729"/>
-            <ac:spMk id="6" creationId="{2AF05599-F767-1D4A-7A1E-F5482318851B}"/>
-          </ac:spMkLst>
-        </pc:spChg>
-        <pc:picChg chg="add mod">
-          <ac:chgData name="Xin Luo" userId="82312ee5779919a4" providerId="LiveId" clId="{D14C59B8-0981-EC4B-B26C-2D65043E6DB4}" dt="2025-06-01T03:22:08.773" v="2666" actId="1076"/>
-          <ac:picMkLst>
-            <pc:docMk/>
-            <pc:sldMk cId="3053350483" sldId="2729"/>
-            <ac:picMk id="9" creationId="{67E18CFE-79D6-6452-B9AD-80E68D47A10A}"/>
-          </ac:picMkLst>
-        </pc:picChg>
       </pc:sldChg>
       <pc:sldChg chg="del">
         <pc:chgData name="Xin Luo" userId="82312ee5779919a4" providerId="LiveId" clId="{D14C59B8-0981-EC4B-B26C-2D65043E6DB4}" dt="2025-05-25T10:21:41.943" v="189" actId="2696"/>
@@ -639,30 +559,6 @@
           <pc:docMk/>
           <pc:sldMk cId="345114206" sldId="2767"/>
         </pc:sldMkLst>
-        <pc:spChg chg="mod">
-          <ac:chgData name="Xin Luo" userId="82312ee5779919a4" providerId="LiveId" clId="{D14C59B8-0981-EC4B-B26C-2D65043E6DB4}" dt="2025-05-25T11:00:49.890" v="689" actId="1035"/>
-          <ac:spMkLst>
-            <pc:docMk/>
-            <pc:sldMk cId="345114206" sldId="2767"/>
-            <ac:spMk id="2" creationId="{631AADB6-C88A-D817-4683-FC087E4E240F}"/>
-          </ac:spMkLst>
-        </pc:spChg>
-        <pc:spChg chg="mod">
-          <ac:chgData name="Xin Luo" userId="82312ee5779919a4" providerId="LiveId" clId="{D14C59B8-0981-EC4B-B26C-2D65043E6DB4}" dt="2025-05-25T10:56:46.166" v="613" actId="20577"/>
-          <ac:spMkLst>
-            <pc:docMk/>
-            <pc:sldMk cId="345114206" sldId="2767"/>
-            <ac:spMk id="3" creationId="{00000000-0000-0000-0000-000000000000}"/>
-          </ac:spMkLst>
-        </pc:spChg>
-        <pc:spChg chg="mod">
-          <ac:chgData name="Xin Luo" userId="82312ee5779919a4" providerId="LiveId" clId="{D14C59B8-0981-EC4B-B26C-2D65043E6DB4}" dt="2025-06-01T05:03:19.029" v="2739" actId="20577"/>
-          <ac:spMkLst>
-            <pc:docMk/>
-            <pc:sldMk cId="345114206" sldId="2767"/>
-            <ac:spMk id="17" creationId="{9E05FFCA-3371-AF5C-381D-71D984055F5A}"/>
-          </ac:spMkLst>
-        </pc:spChg>
       </pc:sldChg>
       <pc:sldChg chg="del">
         <pc:chgData name="Xin Luo" userId="82312ee5779919a4" providerId="LiveId" clId="{D14C59B8-0981-EC4B-B26C-2D65043E6DB4}" dt="2025-05-25T10:21:41.943" v="189" actId="2696"/>
@@ -691,22 +587,6 @@
           <pc:docMk/>
           <pc:sldMk cId="4191734053" sldId="2769"/>
         </pc:sldMkLst>
-        <pc:spChg chg="mod">
-          <ac:chgData name="Xin Luo" userId="82312ee5779919a4" providerId="LiveId" clId="{D14C59B8-0981-EC4B-B26C-2D65043E6DB4}" dt="2025-06-01T03:22:34.786" v="2671" actId="113"/>
-          <ac:spMkLst>
-            <pc:docMk/>
-            <pc:sldMk cId="4191734053" sldId="2769"/>
-            <ac:spMk id="7" creationId="{007EA321-7060-7FBC-0110-A92F708D84F4}"/>
-          </ac:spMkLst>
-        </pc:spChg>
-        <pc:picChg chg="add mod">
-          <ac:chgData name="Xin Luo" userId="82312ee5779919a4" providerId="LiveId" clId="{D14C59B8-0981-EC4B-B26C-2D65043E6DB4}" dt="2025-05-25T10:18:14.891" v="66" actId="1076"/>
-          <ac:picMkLst>
-            <pc:docMk/>
-            <pc:sldMk cId="4191734053" sldId="2769"/>
-            <ac:picMk id="6" creationId="{DCF3723A-4CCC-F4E4-4E30-039450E8E806}"/>
-          </ac:picMkLst>
-        </pc:picChg>
       </pc:sldChg>
       <pc:sldChg chg="delSp modSp add del mod">
         <pc:chgData name="Xin Luo" userId="82312ee5779919a4" providerId="LiveId" clId="{D14C59B8-0981-EC4B-B26C-2D65043E6DB4}" dt="2025-05-25T11:07:26.945" v="798" actId="2696"/>
@@ -721,30 +601,6 @@
           <pc:docMk/>
           <pc:sldMk cId="4120474075" sldId="2771"/>
         </pc:sldMkLst>
-        <pc:spChg chg="mod">
-          <ac:chgData name="Xin Luo" userId="82312ee5779919a4" providerId="LiveId" clId="{D14C59B8-0981-EC4B-B26C-2D65043E6DB4}" dt="2025-05-25T10:35:43.822" v="368" actId="2710"/>
-          <ac:spMkLst>
-            <pc:docMk/>
-            <pc:sldMk cId="4120474075" sldId="2771"/>
-            <ac:spMk id="2" creationId="{22213B40-C84C-2F60-4479-4A9B587DE96A}"/>
-          </ac:spMkLst>
-        </pc:spChg>
-        <pc:graphicFrameChg chg="add mod modGraphic">
-          <ac:chgData name="Xin Luo" userId="82312ee5779919a4" providerId="LiveId" clId="{D14C59B8-0981-EC4B-B26C-2D65043E6DB4}" dt="2025-06-01T03:22:57.140" v="2689" actId="207"/>
-          <ac:graphicFrameMkLst>
-            <pc:docMk/>
-            <pc:sldMk cId="4120474075" sldId="2771"/>
-            <ac:graphicFrameMk id="4" creationId="{9C232443-C70F-2CA6-EEAE-FE6DF71B40DF}"/>
-          </ac:graphicFrameMkLst>
-        </pc:graphicFrameChg>
-        <pc:picChg chg="add mod">
-          <ac:chgData name="Xin Luo" userId="82312ee5779919a4" providerId="LiveId" clId="{D14C59B8-0981-EC4B-B26C-2D65043E6DB4}" dt="2025-06-01T03:22:47.856" v="2687" actId="1036"/>
-          <ac:picMkLst>
-            <pc:docMk/>
-            <pc:sldMk cId="4120474075" sldId="2771"/>
-            <ac:picMk id="12" creationId="{46D934EF-ECF0-02D0-26BF-CAC97BD68B4A}"/>
-          </ac:picMkLst>
-        </pc:picChg>
       </pc:sldChg>
       <pc:sldChg chg="addSp delSp modSp add mod">
         <pc:chgData name="Xin Luo" userId="82312ee5779919a4" providerId="LiveId" clId="{D14C59B8-0981-EC4B-B26C-2D65043E6DB4}" dt="2025-06-01T03:23:12.880" v="2693" actId="1076"/>
@@ -752,30 +608,6 @@
           <pc:docMk/>
           <pc:sldMk cId="3183286210" sldId="2772"/>
         </pc:sldMkLst>
-        <pc:spChg chg="mod">
-          <ac:chgData name="Xin Luo" userId="82312ee5779919a4" providerId="LiveId" clId="{D14C59B8-0981-EC4B-B26C-2D65043E6DB4}" dt="2025-05-25T10:43:33.570" v="421" actId="14100"/>
-          <ac:spMkLst>
-            <pc:docMk/>
-            <pc:sldMk cId="3183286210" sldId="2772"/>
-            <ac:spMk id="2" creationId="{F438329C-6B09-8210-DCDA-259B2AEEE7E0}"/>
-          </ac:spMkLst>
-        </pc:spChg>
-        <pc:spChg chg="add mod">
-          <ac:chgData name="Xin Luo" userId="82312ee5779919a4" providerId="LiveId" clId="{D14C59B8-0981-EC4B-B26C-2D65043E6DB4}" dt="2025-05-25T10:43:29.736" v="420" actId="2711"/>
-          <ac:spMkLst>
-            <pc:docMk/>
-            <pc:sldMk cId="3183286210" sldId="2772"/>
-            <ac:spMk id="6" creationId="{9963F480-B000-E3AE-A0E6-A842326BE159}"/>
-          </ac:spMkLst>
-        </pc:spChg>
-        <pc:picChg chg="add mod">
-          <ac:chgData name="Xin Luo" userId="82312ee5779919a4" providerId="LiveId" clId="{D14C59B8-0981-EC4B-B26C-2D65043E6DB4}" dt="2025-06-01T03:23:12.880" v="2693" actId="1076"/>
-          <ac:picMkLst>
-            <pc:docMk/>
-            <pc:sldMk cId="3183286210" sldId="2772"/>
-            <ac:picMk id="10" creationId="{9EE211B1-E2D1-536C-EBDE-F1BD66BCB262}"/>
-          </ac:picMkLst>
-        </pc:picChg>
       </pc:sldChg>
       <pc:sldChg chg="addSp delSp modSp add mod">
         <pc:chgData name="Xin Luo" userId="82312ee5779919a4" providerId="LiveId" clId="{D14C59B8-0981-EC4B-B26C-2D65043E6DB4}" dt="2025-06-01T03:32:36.210" v="2714" actId="1076"/>
@@ -783,38 +615,6 @@
           <pc:docMk/>
           <pc:sldMk cId="2871118410" sldId="2773"/>
         </pc:sldMkLst>
-        <pc:spChg chg="mod">
-          <ac:chgData name="Xin Luo" userId="82312ee5779919a4" providerId="LiveId" clId="{D14C59B8-0981-EC4B-B26C-2D65043E6DB4}" dt="2025-05-25T10:49:44.704" v="494" actId="20577"/>
-          <ac:spMkLst>
-            <pc:docMk/>
-            <pc:sldMk cId="2871118410" sldId="2773"/>
-            <ac:spMk id="2" creationId="{4206F831-395E-A588-0658-D31DD7974716}"/>
-          </ac:spMkLst>
-        </pc:spChg>
-        <pc:spChg chg="add mod">
-          <ac:chgData name="Xin Luo" userId="82312ee5779919a4" providerId="LiveId" clId="{D14C59B8-0981-EC4B-B26C-2D65043E6DB4}" dt="2025-05-25T10:49:59.285" v="500" actId="1076"/>
-          <ac:spMkLst>
-            <pc:docMk/>
-            <pc:sldMk cId="2871118410" sldId="2773"/>
-            <ac:spMk id="8" creationId="{BC9A9660-8245-9219-CA05-0260E20BC25A}"/>
-          </ac:spMkLst>
-        </pc:spChg>
-        <pc:picChg chg="add mod">
-          <ac:chgData name="Xin Luo" userId="82312ee5779919a4" providerId="LiveId" clId="{D14C59B8-0981-EC4B-B26C-2D65043E6DB4}" dt="2025-06-01T03:32:36.210" v="2714" actId="1076"/>
-          <ac:picMkLst>
-            <pc:docMk/>
-            <pc:sldMk cId="2871118410" sldId="2773"/>
-            <ac:picMk id="5" creationId="{22C37E78-90FB-E7C1-723C-6FEAC9AE2EEF}"/>
-          </ac:picMkLst>
-        </pc:picChg>
-        <pc:picChg chg="add del mod">
-          <ac:chgData name="Xin Luo" userId="82312ee5779919a4" providerId="LiveId" clId="{D14C59B8-0981-EC4B-B26C-2D65043E6DB4}" dt="2025-06-01T03:32:27.764" v="2709" actId="478"/>
-          <ac:picMkLst>
-            <pc:docMk/>
-            <pc:sldMk cId="2871118410" sldId="2773"/>
-            <ac:picMk id="11" creationId="{E20DDCE2-6DB9-C636-FA8B-1D38420478DC}"/>
-          </ac:picMkLst>
-        </pc:picChg>
       </pc:sldChg>
       <pc:sldChg chg="addSp delSp modSp add mod">
         <pc:chgData name="Xin Luo" userId="82312ee5779919a4" providerId="LiveId" clId="{D14C59B8-0981-EC4B-B26C-2D65043E6DB4}" dt="2025-06-01T03:33:07.162" v="2722" actId="1076"/>
@@ -822,38 +622,6 @@
           <pc:docMk/>
           <pc:sldMk cId="1924830660" sldId="2774"/>
         </pc:sldMkLst>
-        <pc:spChg chg="mod">
-          <ac:chgData name="Xin Luo" userId="82312ee5779919a4" providerId="LiveId" clId="{D14C59B8-0981-EC4B-B26C-2D65043E6DB4}" dt="2025-05-25T10:56:20.223" v="583" actId="20577"/>
-          <ac:spMkLst>
-            <pc:docMk/>
-            <pc:sldMk cId="1924830660" sldId="2774"/>
-            <ac:spMk id="2" creationId="{205BDA0A-CB6D-C7AF-C978-8BF4C2F3B344}"/>
-          </ac:spMkLst>
-        </pc:spChg>
-        <pc:spChg chg="mod">
-          <ac:chgData name="Xin Luo" userId="82312ee5779919a4" providerId="LiveId" clId="{D14C59B8-0981-EC4B-B26C-2D65043E6DB4}" dt="2025-06-01T03:33:04.223" v="2721" actId="14100"/>
-          <ac:spMkLst>
-            <pc:docMk/>
-            <pc:sldMk cId="1924830660" sldId="2774"/>
-            <ac:spMk id="8" creationId="{F429ECC1-FD08-5BCA-D032-F62CB02D7C14}"/>
-          </ac:spMkLst>
-        </pc:spChg>
-        <pc:grpChg chg="mod">
-          <ac:chgData name="Xin Luo" userId="82312ee5779919a4" providerId="LiveId" clId="{D14C59B8-0981-EC4B-B26C-2D65043E6DB4}" dt="2025-06-01T03:33:07.162" v="2722" actId="1076"/>
-          <ac:grpSpMkLst>
-            <pc:docMk/>
-            <pc:sldMk cId="1924830660" sldId="2774"/>
-            <ac:grpSpMk id="14" creationId="{FCB8B538-B396-C793-D833-039BAF389254}"/>
-          </ac:grpSpMkLst>
-        </pc:grpChg>
-        <pc:picChg chg="add mod">
-          <ac:chgData name="Xin Luo" userId="82312ee5779919a4" providerId="LiveId" clId="{D14C59B8-0981-EC4B-B26C-2D65043E6DB4}" dt="2025-05-25T10:55:17.474" v="581" actId="27614"/>
-          <ac:picMkLst>
-            <pc:docMk/>
-            <pc:sldMk cId="1924830660" sldId="2774"/>
-            <ac:picMk id="5" creationId="{8C63A14D-73FF-7F83-90A1-C8C2FCC1A642}"/>
-          </ac:picMkLst>
-        </pc:picChg>
       </pc:sldChg>
       <pc:sldChg chg="addSp delSp modSp add mod">
         <pc:chgData name="Xin Luo" userId="82312ee5779919a4" providerId="LiveId" clId="{D14C59B8-0981-EC4B-B26C-2D65043E6DB4}" dt="2025-06-01T04:58:50.742" v="2734" actId="1036"/>
@@ -861,54 +629,6 @@
           <pc:docMk/>
           <pc:sldMk cId="2132556518" sldId="2775"/>
         </pc:sldMkLst>
-        <pc:spChg chg="add del mod">
-          <ac:chgData name="Xin Luo" userId="82312ee5779919a4" providerId="LiveId" clId="{D14C59B8-0981-EC4B-B26C-2D65043E6DB4}" dt="2025-06-01T04:58:39.496" v="2723" actId="478"/>
-          <ac:spMkLst>
-            <pc:docMk/>
-            <pc:sldMk cId="2132556518" sldId="2775"/>
-            <ac:spMk id="11" creationId="{0B5716CE-2B8E-2F8E-EE40-472D771FC10A}"/>
-          </ac:spMkLst>
-        </pc:spChg>
-        <pc:spChg chg="mod">
-          <ac:chgData name="Xin Luo" userId="82312ee5779919a4" providerId="LiveId" clId="{D14C59B8-0981-EC4B-B26C-2D65043E6DB4}" dt="2025-05-25T11:06:32.180" v="796" actId="1035"/>
-          <ac:spMkLst>
-            <pc:docMk/>
-            <pc:sldMk cId="2132556518" sldId="2775"/>
-            <ac:spMk id="17" creationId="{2AE568CC-643F-8904-0795-959C88590FD1}"/>
-          </ac:spMkLst>
-        </pc:spChg>
-        <pc:grpChg chg="add mod">
-          <ac:chgData name="Xin Luo" userId="82312ee5779919a4" providerId="LiveId" clId="{D14C59B8-0981-EC4B-B26C-2D65043E6DB4}" dt="2025-06-01T04:58:50.742" v="2734" actId="1036"/>
-          <ac:grpSpMkLst>
-            <pc:docMk/>
-            <pc:sldMk cId="2132556518" sldId="2775"/>
-            <ac:grpSpMk id="9" creationId="{F761D759-61BD-6169-CA9D-02966A062625}"/>
-          </ac:grpSpMkLst>
-        </pc:grpChg>
-        <pc:picChg chg="add mod modCrop">
-          <ac:chgData name="Xin Luo" userId="82312ee5779919a4" providerId="LiveId" clId="{D14C59B8-0981-EC4B-B26C-2D65043E6DB4}" dt="2025-05-25T11:02:29.982" v="709" actId="732"/>
-          <ac:picMkLst>
-            <pc:docMk/>
-            <pc:sldMk cId="2132556518" sldId="2775"/>
-            <ac:picMk id="6" creationId="{B47FF496-6663-6CAD-D9A6-9F8184F5D8CC}"/>
-          </ac:picMkLst>
-        </pc:picChg>
-        <pc:picChg chg="add mod modCrop">
-          <ac:chgData name="Xin Luo" userId="82312ee5779919a4" providerId="LiveId" clId="{D14C59B8-0981-EC4B-B26C-2D65043E6DB4}" dt="2025-05-25T11:02:46.078" v="715" actId="14100"/>
-          <ac:picMkLst>
-            <pc:docMk/>
-            <pc:sldMk cId="2132556518" sldId="2775"/>
-            <ac:picMk id="8" creationId="{A42602EE-773B-B05A-8D6F-CE633515712D}"/>
-          </ac:picMkLst>
-        </pc:picChg>
-        <pc:picChg chg="add del mod">
-          <ac:chgData name="Xin Luo" userId="82312ee5779919a4" providerId="LiveId" clId="{D14C59B8-0981-EC4B-B26C-2D65043E6DB4}" dt="2025-06-01T04:58:39.496" v="2723" actId="478"/>
-          <ac:picMkLst>
-            <pc:docMk/>
-            <pc:sldMk cId="2132556518" sldId="2775"/>
-            <ac:picMk id="13" creationId="{95A031FD-0F7D-FCCE-5B3F-CAC0EA0FB7F9}"/>
-          </ac:picMkLst>
-        </pc:picChg>
       </pc:sldChg>
       <pc:sldChg chg="addSp delSp modSp add del mod ord modNotesTx">
         <pc:chgData name="Xin Luo" userId="82312ee5779919a4" providerId="LiveId" clId="{D14C59B8-0981-EC4B-B26C-2D65043E6DB4}" dt="2025-06-01T09:03:34.763" v="2967" actId="2696"/>
@@ -916,38 +636,6 @@
           <pc:docMk/>
           <pc:sldMk cId="152024502" sldId="2776"/>
         </pc:sldMkLst>
-        <pc:spChg chg="add mod">
-          <ac:chgData name="Xin Luo" userId="82312ee5779919a4" providerId="LiveId" clId="{D14C59B8-0981-EC4B-B26C-2D65043E6DB4}" dt="2025-06-01T05:44:42.108" v="2859" actId="20577"/>
-          <ac:spMkLst>
-            <pc:docMk/>
-            <pc:sldMk cId="152024502" sldId="2776"/>
-            <ac:spMk id="9" creationId="{B2500453-A7DE-5C36-E7C8-0F98EAFB51F7}"/>
-          </ac:spMkLst>
-        </pc:spChg>
-        <pc:picChg chg="add mod">
-          <ac:chgData name="Xin Luo" userId="82312ee5779919a4" providerId="LiveId" clId="{D14C59B8-0981-EC4B-B26C-2D65043E6DB4}" dt="2025-06-01T05:41:02.106" v="2839" actId="1076"/>
-          <ac:picMkLst>
-            <pc:docMk/>
-            <pc:sldMk cId="152024502" sldId="2776"/>
-            <ac:picMk id="5" creationId="{0343A5BB-8D68-CA3C-2CAF-B98597F1FCFF}"/>
-          </ac:picMkLst>
-        </pc:picChg>
-        <pc:picChg chg="add del mod">
-          <ac:chgData name="Xin Luo" userId="82312ee5779919a4" providerId="LiveId" clId="{D14C59B8-0981-EC4B-B26C-2D65043E6DB4}" dt="2025-06-01T05:40:52.819" v="2835" actId="478"/>
-          <ac:picMkLst>
-            <pc:docMk/>
-            <pc:sldMk cId="152024502" sldId="2776"/>
-            <ac:picMk id="6" creationId="{5009D4FE-7FFB-B82C-3C42-2A204BD55DFD}"/>
-          </ac:picMkLst>
-        </pc:picChg>
-        <pc:picChg chg="add mod">
-          <ac:chgData name="Xin Luo" userId="82312ee5779919a4" providerId="LiveId" clId="{D14C59B8-0981-EC4B-B26C-2D65043E6DB4}" dt="2025-06-01T05:44:28.053" v="2845" actId="14100"/>
-          <ac:picMkLst>
-            <pc:docMk/>
-            <pc:sldMk cId="152024502" sldId="2776"/>
-            <ac:picMk id="8" creationId="{83A4888F-B96B-B7AA-E42D-0000E531C404}"/>
-          </ac:picMkLst>
-        </pc:picChg>
       </pc:sldChg>
       <pc:sldChg chg="addSp delSp modSp add mod">
         <pc:chgData name="Xin Luo" userId="82312ee5779919a4" providerId="LiveId" clId="{D14C59B8-0981-EC4B-B26C-2D65043E6DB4}" dt="2025-06-01T08:40:56.987" v="2866" actId="1076"/>
@@ -955,30 +643,6 @@
           <pc:docMk/>
           <pc:sldMk cId="4290921164" sldId="2777"/>
         </pc:sldMkLst>
-        <pc:spChg chg="mod">
-          <ac:chgData name="Xin Luo" userId="82312ee5779919a4" providerId="LiveId" clId="{D14C59B8-0981-EC4B-B26C-2D65043E6DB4}" dt="2025-05-25T12:17:00.003" v="889" actId="20577"/>
-          <ac:spMkLst>
-            <pc:docMk/>
-            <pc:sldMk cId="4290921164" sldId="2777"/>
-            <ac:spMk id="2" creationId="{CD452499-D372-2FBA-C44F-6EFEA0897549}"/>
-          </ac:spMkLst>
-        </pc:spChg>
-        <pc:spChg chg="mod">
-          <ac:chgData name="Xin Luo" userId="82312ee5779919a4" providerId="LiveId" clId="{D14C59B8-0981-EC4B-B26C-2D65043E6DB4}" dt="2025-05-25T14:06:00.470" v="1405" actId="20577"/>
-          <ac:spMkLst>
-            <pc:docMk/>
-            <pc:sldMk cId="4290921164" sldId="2777"/>
-            <ac:spMk id="9" creationId="{BAEA8241-F27A-BC22-6D1D-C320943718E9}"/>
-          </ac:spMkLst>
-        </pc:spChg>
-        <pc:graphicFrameChg chg="add mod modGraphic">
-          <ac:chgData name="Xin Luo" userId="82312ee5779919a4" providerId="LiveId" clId="{D14C59B8-0981-EC4B-B26C-2D65043E6DB4}" dt="2025-06-01T08:40:56.987" v="2866" actId="1076"/>
-          <ac:graphicFrameMkLst>
-            <pc:docMk/>
-            <pc:sldMk cId="4290921164" sldId="2777"/>
-            <ac:graphicFrameMk id="8" creationId="{36DE1E74-7E4B-A6A8-D10F-C49348F57B46}"/>
-          </ac:graphicFrameMkLst>
-        </pc:graphicFrameChg>
       </pc:sldChg>
       <pc:sldChg chg="addSp delSp modSp add mod ord">
         <pc:chgData name="Xin Luo" userId="82312ee5779919a4" providerId="LiveId" clId="{D14C59B8-0981-EC4B-B26C-2D65043E6DB4}" dt="2025-06-01T08:42:28.113" v="2897" actId="1035"/>
@@ -986,30 +650,6 @@
           <pc:docMk/>
           <pc:sldMk cId="3297208711" sldId="2778"/>
         </pc:sldMkLst>
-        <pc:spChg chg="mod">
-          <ac:chgData name="Xin Luo" userId="82312ee5779919a4" providerId="LiveId" clId="{D14C59B8-0981-EC4B-B26C-2D65043E6DB4}" dt="2025-05-25T12:28:02.478" v="960" actId="20577"/>
-          <ac:spMkLst>
-            <pc:docMk/>
-            <pc:sldMk cId="3297208711" sldId="2778"/>
-            <ac:spMk id="3" creationId="{BF173EEA-7681-0EBA-CDCA-244EF572D36C}"/>
-          </ac:spMkLst>
-        </pc:spChg>
-        <pc:spChg chg="mod">
-          <ac:chgData name="Xin Luo" userId="82312ee5779919a4" providerId="LiveId" clId="{D14C59B8-0981-EC4B-B26C-2D65043E6DB4}" dt="2025-06-01T08:42:13.281" v="2890" actId="20577"/>
-          <ac:spMkLst>
-            <pc:docMk/>
-            <pc:sldMk cId="3297208711" sldId="2778"/>
-            <ac:spMk id="9" creationId="{21031BFD-CCE6-389F-63DA-67B18599B458}"/>
-          </ac:spMkLst>
-        </pc:spChg>
-        <pc:graphicFrameChg chg="add mod modGraphic">
-          <ac:chgData name="Xin Luo" userId="82312ee5779919a4" providerId="LiveId" clId="{D14C59B8-0981-EC4B-B26C-2D65043E6DB4}" dt="2025-06-01T08:42:28.113" v="2897" actId="1035"/>
-          <ac:graphicFrameMkLst>
-            <pc:docMk/>
-            <pc:sldMk cId="3297208711" sldId="2778"/>
-            <ac:graphicFrameMk id="14" creationId="{A8ABDF9C-631A-E69C-3FB8-0947C36A01E0}"/>
-          </ac:graphicFrameMkLst>
-        </pc:graphicFrameChg>
       </pc:sldChg>
       <pc:sldChg chg="addSp delSp modSp add mod">
         <pc:chgData name="Xin Luo" userId="82312ee5779919a4" providerId="LiveId" clId="{D14C59B8-0981-EC4B-B26C-2D65043E6DB4}" dt="2025-06-01T09:00:31.318" v="2961" actId="1035"/>
@@ -1017,54 +657,6 @@
           <pc:docMk/>
           <pc:sldMk cId="1983522713" sldId="2779"/>
         </pc:sldMkLst>
-        <pc:spChg chg="add mod">
-          <ac:chgData name="Xin Luo" userId="82312ee5779919a4" providerId="LiveId" clId="{D14C59B8-0981-EC4B-B26C-2D65043E6DB4}" dt="2025-06-01T09:00:17.075" v="2950" actId="1036"/>
-          <ac:spMkLst>
-            <pc:docMk/>
-            <pc:sldMk cId="1983522713" sldId="2779"/>
-            <ac:spMk id="6" creationId="{CA65D216-D8C9-DEB5-69D5-624B4A66DF46}"/>
-          </ac:spMkLst>
-        </pc:spChg>
-        <pc:spChg chg="mod">
-          <ac:chgData name="Xin Luo" userId="82312ee5779919a4" providerId="LiveId" clId="{D14C59B8-0981-EC4B-B26C-2D65043E6DB4}" dt="2025-06-01T08:52:07.286" v="2902" actId="20577"/>
-          <ac:spMkLst>
-            <pc:docMk/>
-            <pc:sldMk cId="1983522713" sldId="2779"/>
-            <ac:spMk id="9" creationId="{333CE8E4-A46A-2945-1C5F-ADCF4371A8F1}"/>
-          </ac:spMkLst>
-        </pc:spChg>
-        <pc:picChg chg="add mod modCrop">
-          <ac:chgData name="Xin Luo" userId="82312ee5779919a4" providerId="LiveId" clId="{D14C59B8-0981-EC4B-B26C-2D65043E6DB4}" dt="2025-06-01T09:00:31.318" v="2961" actId="1035"/>
-          <ac:picMkLst>
-            <pc:docMk/>
-            <pc:sldMk cId="1983522713" sldId="2779"/>
-            <ac:picMk id="5" creationId="{5AA6FA35-2E65-949A-B069-702F057D29DA}"/>
-          </ac:picMkLst>
-        </pc:picChg>
-        <pc:picChg chg="add mod">
-          <ac:chgData name="Xin Luo" userId="82312ee5779919a4" providerId="LiveId" clId="{D14C59B8-0981-EC4B-B26C-2D65043E6DB4}" dt="2025-06-01T09:00:31.318" v="2961" actId="1035"/>
-          <ac:picMkLst>
-            <pc:docMk/>
-            <pc:sldMk cId="1983522713" sldId="2779"/>
-            <ac:picMk id="7" creationId="{48C70CA8-A9C0-B339-04BE-F3E5BD3B966A}"/>
-          </ac:picMkLst>
-        </pc:picChg>
-        <pc:picChg chg="add del mod">
-          <ac:chgData name="Xin Luo" userId="82312ee5779919a4" providerId="LiveId" clId="{D14C59B8-0981-EC4B-B26C-2D65043E6DB4}" dt="2025-06-01T08:59:36.054" v="2925" actId="478"/>
-          <ac:picMkLst>
-            <pc:docMk/>
-            <pc:sldMk cId="1983522713" sldId="2779"/>
-            <ac:picMk id="8" creationId="{A699D5C7-9989-DBF1-60E3-E131D49FE677}"/>
-          </ac:picMkLst>
-        </pc:picChg>
-        <pc:picChg chg="add mod">
-          <ac:chgData name="Xin Luo" userId="82312ee5779919a4" providerId="LiveId" clId="{D14C59B8-0981-EC4B-B26C-2D65043E6DB4}" dt="2025-06-01T09:00:17.075" v="2950" actId="1036"/>
-          <ac:picMkLst>
-            <pc:docMk/>
-            <pc:sldMk cId="1983522713" sldId="2779"/>
-            <ac:picMk id="11" creationId="{2018674E-B72C-A98B-DCC7-7675972381A4}"/>
-          </ac:picMkLst>
-        </pc:picChg>
       </pc:sldChg>
       <pc:sldChg chg="addSp delSp modSp add mod">
         <pc:chgData name="Xin Luo" userId="82312ee5779919a4" providerId="LiveId" clId="{D14C59B8-0981-EC4B-B26C-2D65043E6DB4}" dt="2025-06-01T09:03:28.266" v="2966" actId="1076"/>
@@ -1072,30 +664,6 @@
           <pc:docMk/>
           <pc:sldMk cId="1227656408" sldId="2780"/>
         </pc:sldMkLst>
-        <pc:spChg chg="mod">
-          <ac:chgData name="Xin Luo" userId="82312ee5779919a4" providerId="LiveId" clId="{D14C59B8-0981-EC4B-B26C-2D65043E6DB4}" dt="2025-05-25T12:43:45.391" v="1304" actId="14100"/>
-          <ac:spMkLst>
-            <pc:docMk/>
-            <pc:sldMk cId="1227656408" sldId="2780"/>
-            <ac:spMk id="9" creationId="{CB58FFB9-E27C-3ECF-DCAC-1B6170ACB892}"/>
-          </ac:spMkLst>
-        </pc:spChg>
-        <pc:picChg chg="add mod">
-          <ac:chgData name="Xin Luo" userId="82312ee5779919a4" providerId="LiveId" clId="{D14C59B8-0981-EC4B-B26C-2D65043E6DB4}" dt="2025-06-01T09:03:28.266" v="2966" actId="1076"/>
-          <ac:picMkLst>
-            <pc:docMk/>
-            <pc:sldMk cId="1227656408" sldId="2780"/>
-            <ac:picMk id="4" creationId="{2531C763-F5A6-5BE9-BDCC-71160E6619CD}"/>
-          </ac:picMkLst>
-        </pc:picChg>
-        <pc:picChg chg="add mod">
-          <ac:chgData name="Xin Luo" userId="82312ee5779919a4" providerId="LiveId" clId="{D14C59B8-0981-EC4B-B26C-2D65043E6DB4}" dt="2025-05-25T12:44:25.662" v="1310" actId="27614"/>
-          <ac:picMkLst>
-            <pc:docMk/>
-            <pc:sldMk cId="1227656408" sldId="2780"/>
-            <ac:picMk id="7" creationId="{86853E1D-702F-C361-F636-4710CE887691}"/>
-          </ac:picMkLst>
-        </pc:picChg>
       </pc:sldChg>
       <pc:sldChg chg="addSp delSp modSp add del mod">
         <pc:chgData name="Xin Luo" userId="82312ee5779919a4" providerId="LiveId" clId="{D14C59B8-0981-EC4B-B26C-2D65043E6DB4}" dt="2025-06-01T09:02:58.707" v="2962" actId="2696"/>
@@ -1117,14 +685,6 @@
           <pc:docMk/>
           <pc:sldMk cId="116747266" sldId="2783"/>
         </pc:sldMkLst>
-        <pc:picChg chg="mod">
-          <ac:chgData name="Xin Luo" userId="82312ee5779919a4" providerId="LiveId" clId="{D14C59B8-0981-EC4B-B26C-2D65043E6DB4}" dt="2025-06-01T08:26:52.802" v="2863" actId="14100"/>
-          <ac:picMkLst>
-            <pc:docMk/>
-            <pc:sldMk cId="116747266" sldId="2783"/>
-            <ac:picMk id="5" creationId="{DB89A35B-C430-30E2-F904-5689AF3E524D}"/>
-          </ac:picMkLst>
-        </pc:picChg>
       </pc:sldChg>
       <pc:sldChg chg="addSp delSp modSp add mod">
         <pc:chgData name="Xin Luo" userId="82312ee5779919a4" providerId="LiveId" clId="{D14C59B8-0981-EC4B-B26C-2D65043E6DB4}" dt="2025-05-31T01:59:00.341" v="1534" actId="113"/>
@@ -1132,38 +692,6 @@
           <pc:docMk/>
           <pc:sldMk cId="1141366588" sldId="2784"/>
         </pc:sldMkLst>
-        <pc:spChg chg="mod">
-          <ac:chgData name="Xin Luo" userId="82312ee5779919a4" providerId="LiveId" clId="{D14C59B8-0981-EC4B-B26C-2D65043E6DB4}" dt="2025-05-31T01:59:00.341" v="1534" actId="113"/>
-          <ac:spMkLst>
-            <pc:docMk/>
-            <pc:sldMk cId="1141366588" sldId="2784"/>
-            <ac:spMk id="2" creationId="{4F15386D-7324-4F34-CC8B-0F504A25F80A}"/>
-          </ac:spMkLst>
-        </pc:spChg>
-        <pc:spChg chg="del">
-          <ac:chgData name="Xin Luo" userId="82312ee5779919a4" providerId="LiveId" clId="{D14C59B8-0981-EC4B-B26C-2D65043E6DB4}" dt="2025-05-31T01:16:34.096" v="1490" actId="478"/>
-          <ac:spMkLst>
-            <pc:docMk/>
-            <pc:sldMk cId="1141366588" sldId="2784"/>
-            <ac:spMk id="8" creationId="{9C327DF9-31BA-9D1E-6408-86AA4C92683F}"/>
-          </ac:spMkLst>
-        </pc:spChg>
-        <pc:grpChg chg="del">
-          <ac:chgData name="Xin Luo" userId="82312ee5779919a4" providerId="LiveId" clId="{D14C59B8-0981-EC4B-B26C-2D65043E6DB4}" dt="2025-05-31T01:16:31.896" v="1489" actId="478"/>
-          <ac:grpSpMkLst>
-            <pc:docMk/>
-            <pc:sldMk cId="1141366588" sldId="2784"/>
-            <ac:grpSpMk id="14" creationId="{74ABF28C-631F-F966-D591-CFEE4A38FF53}"/>
-          </ac:grpSpMkLst>
-        </pc:grpChg>
-        <pc:picChg chg="add mod">
-          <ac:chgData name="Xin Luo" userId="82312ee5779919a4" providerId="LiveId" clId="{D14C59B8-0981-EC4B-B26C-2D65043E6DB4}" dt="2025-05-31T01:27:53.513" v="1514" actId="14100"/>
-          <ac:picMkLst>
-            <pc:docMk/>
-            <pc:sldMk cId="1141366588" sldId="2784"/>
-            <ac:picMk id="6" creationId="{1ADBFA6E-0D60-2781-AE8A-7DB62310AA0C}"/>
-          </ac:picMkLst>
-        </pc:picChg>
       </pc:sldChg>
       <pc:sldChg chg="addSp delSp modSp add mod">
         <pc:chgData name="Xin Luo" userId="82312ee5779919a4" providerId="LiveId" clId="{D14C59B8-0981-EC4B-B26C-2D65043E6DB4}" dt="2025-05-31T02:33:55.649" v="2045" actId="1076"/>
@@ -1171,62 +699,6 @@
           <pc:docMk/>
           <pc:sldMk cId="1406963904" sldId="2785"/>
         </pc:sldMkLst>
-        <pc:spChg chg="mod">
-          <ac:chgData name="Xin Luo" userId="82312ee5779919a4" providerId="LiveId" clId="{D14C59B8-0981-EC4B-B26C-2D65043E6DB4}" dt="2025-05-31T02:33:55.649" v="2045" actId="1076"/>
-          <ac:spMkLst>
-            <pc:docMk/>
-            <pc:sldMk cId="1406963904" sldId="2785"/>
-            <ac:spMk id="2" creationId="{2020C777-DB56-581F-2E86-B3DA95296857}"/>
-          </ac:spMkLst>
-        </pc:spChg>
-        <pc:spChg chg="add mod">
-          <ac:chgData name="Xin Luo" userId="82312ee5779919a4" providerId="LiveId" clId="{D14C59B8-0981-EC4B-B26C-2D65043E6DB4}" dt="2025-05-31T02:33:51.396" v="2044" actId="14100"/>
-          <ac:spMkLst>
-            <pc:docMk/>
-            <pc:sldMk cId="1406963904" sldId="2785"/>
-            <ac:spMk id="5" creationId="{9BDD77E1-C5F6-F01F-B127-E4F9C1C751E4}"/>
-          </ac:spMkLst>
-        </pc:spChg>
-        <pc:spChg chg="add del">
-          <ac:chgData name="Xin Luo" userId="82312ee5779919a4" providerId="LiveId" clId="{D14C59B8-0981-EC4B-B26C-2D65043E6DB4}" dt="2025-05-31T02:31:36.194" v="2034" actId="22"/>
-          <ac:spMkLst>
-            <pc:docMk/>
-            <pc:sldMk cId="1406963904" sldId="2785"/>
-            <ac:spMk id="6" creationId="{32D874FF-FE66-C2D3-3A14-CEB090B7980D}"/>
-          </ac:spMkLst>
-        </pc:spChg>
-        <pc:spChg chg="add del mod">
-          <ac:chgData name="Xin Luo" userId="82312ee5779919a4" providerId="LiveId" clId="{D14C59B8-0981-EC4B-B26C-2D65043E6DB4}" dt="2025-05-31T02:16:25.126" v="1836" actId="478"/>
-          <ac:spMkLst>
-            <pc:docMk/>
-            <pc:sldMk cId="1406963904" sldId="2785"/>
-            <ac:spMk id="8" creationId="{D7A7BFB3-29BF-97DE-68B2-3C6CFEC9199A}"/>
-          </ac:spMkLst>
-        </pc:spChg>
-        <pc:picChg chg="del">
-          <ac:chgData name="Xin Luo" userId="82312ee5779919a4" providerId="LiveId" clId="{D14C59B8-0981-EC4B-B26C-2D65043E6DB4}" dt="2025-05-31T01:59:13.336" v="1561" actId="478"/>
-          <ac:picMkLst>
-            <pc:docMk/>
-            <pc:sldMk cId="1406963904" sldId="2785"/>
-            <ac:picMk id="6" creationId="{65C21BF0-5553-048E-BAAF-FA7E6F84617A}"/>
-          </ac:picMkLst>
-        </pc:picChg>
-        <pc:picChg chg="add mod">
-          <ac:chgData name="Xin Luo" userId="82312ee5779919a4" providerId="LiveId" clId="{D14C59B8-0981-EC4B-B26C-2D65043E6DB4}" dt="2025-05-31T02:31:45.764" v="2039" actId="14100"/>
-          <ac:picMkLst>
-            <pc:docMk/>
-            <pc:sldMk cId="1406963904" sldId="2785"/>
-            <ac:picMk id="8" creationId="{9AFB11A3-C433-2E9A-0AED-67F76F996FA3}"/>
-          </ac:picMkLst>
-        </pc:picChg>
-        <pc:picChg chg="add del mod">
-          <ac:chgData name="Xin Luo" userId="82312ee5779919a4" providerId="LiveId" clId="{D14C59B8-0981-EC4B-B26C-2D65043E6DB4}" dt="2025-05-31T02:31:34.316" v="2032" actId="478"/>
-          <ac:picMkLst>
-            <pc:docMk/>
-            <pc:sldMk cId="1406963904" sldId="2785"/>
-            <ac:picMk id="10" creationId="{D12DD3CC-95A2-1A3F-A697-CE843311B271}"/>
-          </ac:picMkLst>
-        </pc:picChg>
       </pc:sldChg>
       <pc:sldChg chg="addSp delSp modSp add mod">
         <pc:chgData name="Xin Luo" userId="82312ee5779919a4" providerId="LiveId" clId="{D14C59B8-0981-EC4B-B26C-2D65043E6DB4}" dt="2025-06-01T03:24:12.833" v="2707" actId="1036"/>
@@ -1234,38 +706,6 @@
           <pc:docMk/>
           <pc:sldMk cId="3353334114" sldId="2786"/>
         </pc:sldMkLst>
-        <pc:spChg chg="mod">
-          <ac:chgData name="Xin Luo" userId="82312ee5779919a4" providerId="LiveId" clId="{D14C59B8-0981-EC4B-B26C-2D65043E6DB4}" dt="2025-06-01T03:24:10.768" v="2705" actId="1035"/>
-          <ac:spMkLst>
-            <pc:docMk/>
-            <pc:sldMk cId="3353334114" sldId="2786"/>
-            <ac:spMk id="2" creationId="{5969717C-BADA-2100-E973-5F0292CBBFA6}"/>
-          </ac:spMkLst>
-        </pc:spChg>
-        <pc:spChg chg="del">
-          <ac:chgData name="Xin Luo" userId="82312ee5779919a4" providerId="LiveId" clId="{D14C59B8-0981-EC4B-B26C-2D65043E6DB4}" dt="2025-05-31T02:19:08.931" v="1872" actId="478"/>
-          <ac:spMkLst>
-            <pc:docMk/>
-            <pc:sldMk cId="3353334114" sldId="2786"/>
-            <ac:spMk id="5" creationId="{896DD4DB-1C8B-032E-7C51-CC0C1C6E1A36}"/>
-          </ac:spMkLst>
-        </pc:spChg>
-        <pc:spChg chg="add mod">
-          <ac:chgData name="Xin Luo" userId="82312ee5779919a4" providerId="LiveId" clId="{D14C59B8-0981-EC4B-B26C-2D65043E6DB4}" dt="2025-06-01T03:24:12.833" v="2707" actId="1036"/>
-          <ac:spMkLst>
-            <pc:docMk/>
-            <pc:sldMk cId="3353334114" sldId="2786"/>
-            <ac:spMk id="6" creationId="{1C0F4086-EB50-389A-E8C7-A43608071D1F}"/>
-          </ac:spMkLst>
-        </pc:spChg>
-        <pc:picChg chg="del">
-          <ac:chgData name="Xin Luo" userId="82312ee5779919a4" providerId="LiveId" clId="{D14C59B8-0981-EC4B-B26C-2D65043E6DB4}" dt="2025-05-31T02:17:45.067" v="1856" actId="478"/>
-          <ac:picMkLst>
-            <pc:docMk/>
-            <pc:sldMk cId="3353334114" sldId="2786"/>
-            <ac:picMk id="10" creationId="{C25E39E8-2292-F0EB-D56F-40D3F945FA83}"/>
-          </ac:picMkLst>
-        </pc:picChg>
       </pc:sldChg>
       <pc:sldChg chg="add del">
         <pc:chgData name="Xin Luo" userId="82312ee5779919a4" providerId="LiveId" clId="{D14C59B8-0981-EC4B-B26C-2D65043E6DB4}" dt="2025-06-01T09:04:08.217" v="2969"/>
@@ -1289,38 +729,6 @@
           <pc:docMk/>
           <pc:sldMk cId="1576120367" sldId="2387"/>
         </pc:sldMkLst>
-        <pc:spChg chg="mod">
-          <ac:chgData name="Xin Luo" userId="82312ee5779919a4" providerId="LiveId" clId="{A5D610E5-752B-7B4A-889B-D40C860DA0F0}" dt="2025-05-08T15:13:36.832" v="125" actId="20577"/>
-          <ac:spMkLst>
-            <pc:docMk/>
-            <pc:sldMk cId="1576120367" sldId="2387"/>
-            <ac:spMk id="5" creationId="{494DAA55-5621-28DB-D255-E0EBB6C6477B}"/>
-          </ac:spMkLst>
-        </pc:spChg>
-        <pc:spChg chg="mod">
-          <ac:chgData name="Xin Luo" userId="82312ee5779919a4" providerId="LiveId" clId="{A5D610E5-752B-7B4A-889B-D40C860DA0F0}" dt="2025-05-08T15:13:05.058" v="119" actId="20577"/>
-          <ac:spMkLst>
-            <pc:docMk/>
-            <pc:sldMk cId="1576120367" sldId="2387"/>
-            <ac:spMk id="12" creationId="{00000000-0000-0000-0000-000000000000}"/>
-          </ac:spMkLst>
-        </pc:spChg>
-        <pc:spChg chg="mod">
-          <ac:chgData name="Xin Luo" userId="82312ee5779919a4" providerId="LiveId" clId="{A5D610E5-752B-7B4A-889B-D40C860DA0F0}" dt="2025-05-08T15:12:58.461" v="107" actId="20577"/>
-          <ac:spMkLst>
-            <pc:docMk/>
-            <pc:sldMk cId="1576120367" sldId="2387"/>
-            <ac:spMk id="14" creationId="{00000000-0000-0000-0000-000000000000}"/>
-          </ac:spMkLst>
-        </pc:spChg>
-        <pc:grpChg chg="mod">
-          <ac:chgData name="Xin Luo" userId="82312ee5779919a4" providerId="LiveId" clId="{A5D610E5-752B-7B4A-889B-D40C860DA0F0}" dt="2025-05-08T15:12:32.702" v="42" actId="1038"/>
-          <ac:grpSpMkLst>
-            <pc:docMk/>
-            <pc:sldMk cId="1576120367" sldId="2387"/>
-            <ac:grpSpMk id="2" creationId="{AFCAA61D-767A-24EA-9072-7425684288BB}"/>
-          </ac:grpSpMkLst>
-        </pc:grpChg>
       </pc:sldChg>
       <pc:sldChg chg="modSp mod">
         <pc:chgData name="Xin Luo" userId="82312ee5779919a4" providerId="LiveId" clId="{A5D610E5-752B-7B4A-889B-D40C860DA0F0}" dt="2025-05-08T15:14:31.896" v="150" actId="20577"/>
@@ -1328,14 +736,6 @@
           <pc:docMk/>
           <pc:sldMk cId="2415901206" sldId="2447"/>
         </pc:sldMkLst>
-        <pc:spChg chg="mod">
-          <ac:chgData name="Xin Luo" userId="82312ee5779919a4" providerId="LiveId" clId="{A5D610E5-752B-7B4A-889B-D40C860DA0F0}" dt="2025-05-08T15:14:31.896" v="150" actId="20577"/>
-          <ac:spMkLst>
-            <pc:docMk/>
-            <pc:sldMk cId="2415901206" sldId="2447"/>
-            <ac:spMk id="7" creationId="{00000000-0000-0000-0000-000000000000}"/>
-          </ac:spMkLst>
-        </pc:spChg>
       </pc:sldChg>
       <pc:sldChg chg="modSp mod">
         <pc:chgData name="Xin Luo" userId="82312ee5779919a4" providerId="LiveId" clId="{A5D610E5-752B-7B4A-889B-D40C860DA0F0}" dt="2025-05-08T15:12:24.990" v="38" actId="20577"/>
@@ -1343,22 +743,6 @@
           <pc:docMk/>
           <pc:sldMk cId="1658607177" sldId="2708"/>
         </pc:sldMkLst>
-        <pc:spChg chg="mod">
-          <ac:chgData name="Xin Luo" userId="82312ee5779919a4" providerId="LiveId" clId="{A5D610E5-752B-7B4A-889B-D40C860DA0F0}" dt="2025-05-08T15:12:24.990" v="38" actId="20577"/>
-          <ac:spMkLst>
-            <pc:docMk/>
-            <pc:sldMk cId="1658607177" sldId="2708"/>
-            <ac:spMk id="3" creationId="{E375549C-74EF-2C8F-6432-2C52B803FB1B}"/>
-          </ac:spMkLst>
-        </pc:spChg>
-        <pc:spChg chg="mod">
-          <ac:chgData name="Xin Luo" userId="82312ee5779919a4" providerId="LiveId" clId="{A5D610E5-752B-7B4A-889B-D40C860DA0F0}" dt="2025-05-08T15:12:20.641" v="34" actId="20577"/>
-          <ac:spMkLst>
-            <pc:docMk/>
-            <pc:sldMk cId="1658607177" sldId="2708"/>
-            <ac:spMk id="24" creationId="{00000000-0000-0000-0000-000000000000}"/>
-          </ac:spMkLst>
-        </pc:spChg>
       </pc:sldChg>
       <pc:sldChg chg="modSp mod">
         <pc:chgData name="Xin Luo" userId="82312ee5779919a4" providerId="LiveId" clId="{A5D610E5-752B-7B4A-889B-D40C860DA0F0}" dt="2025-05-08T15:14:38.806" v="166" actId="20577"/>
@@ -1366,14 +750,6 @@
           <pc:docMk/>
           <pc:sldMk cId="481122590" sldId="2709"/>
         </pc:sldMkLst>
-        <pc:spChg chg="mod">
-          <ac:chgData name="Xin Luo" userId="82312ee5779919a4" providerId="LiveId" clId="{A5D610E5-752B-7B4A-889B-D40C860DA0F0}" dt="2025-05-08T15:14:38.806" v="166" actId="20577"/>
-          <ac:spMkLst>
-            <pc:docMk/>
-            <pc:sldMk cId="481122590" sldId="2709"/>
-            <ac:spMk id="7" creationId="{00000000-0000-0000-0000-000000000000}"/>
-          </ac:spMkLst>
-        </pc:spChg>
       </pc:sldChg>
       <pc:sldChg chg="del">
         <pc:chgData name="Xin Luo" userId="82312ee5779919a4" providerId="LiveId" clId="{A5D610E5-752B-7B4A-889B-D40C860DA0F0}" dt="2025-05-08T15:18:36.427" v="198" actId="2696"/>
@@ -1388,14 +764,6 @@
           <pc:docMk/>
           <pc:sldMk cId="972163772" sldId="2720"/>
         </pc:sldMkLst>
-        <pc:spChg chg="mod">
-          <ac:chgData name="Xin Luo" userId="82312ee5779919a4" providerId="LiveId" clId="{A5D610E5-752B-7B4A-889B-D40C860DA0F0}" dt="2025-05-08T15:15:01.919" v="196" actId="20577"/>
-          <ac:spMkLst>
-            <pc:docMk/>
-            <pc:sldMk cId="972163772" sldId="2720"/>
-            <ac:spMk id="7" creationId="{00000000-0000-0000-0000-000000000000}"/>
-          </ac:spMkLst>
-        </pc:spChg>
       </pc:sldChg>
       <pc:sldChg chg="del">
         <pc:chgData name="Xin Luo" userId="82312ee5779919a4" providerId="LiveId" clId="{A5D610E5-752B-7B4A-889B-D40C860DA0F0}" dt="2025-05-08T15:18:36.438" v="205" actId="2696"/>
@@ -1728,6 +1096,30 @@
     </pc:docChg>
   </pc:docChgLst>
   <pc:docChgLst>
+    <pc:chgData name="Xin Luo" userId="82312ee5779919a4" providerId="LiveId" clId="{6D7995D0-6D12-7441-A7A8-BA6591145C00}"/>
+    <pc:docChg chg="custSel modSld">
+      <pc:chgData name="Xin Luo" userId="82312ee5779919a4" providerId="LiveId" clId="{6D7995D0-6D12-7441-A7A8-BA6591145C00}" dt="2025-08-12T09:58:00.791" v="3" actId="478"/>
+      <pc:docMkLst>
+        <pc:docMk/>
+      </pc:docMkLst>
+      <pc:sldChg chg="addSp delSp modSp mod">
+        <pc:chgData name="Xin Luo" userId="82312ee5779919a4" providerId="LiveId" clId="{6D7995D0-6D12-7441-A7A8-BA6591145C00}" dt="2025-08-12T09:58:00.791" v="3" actId="478"/>
+        <pc:sldMkLst>
+          <pc:docMk/>
+          <pc:sldMk cId="4120474075" sldId="2771"/>
+        </pc:sldMkLst>
+        <pc:spChg chg="add del mod">
+          <ac:chgData name="Xin Luo" userId="82312ee5779919a4" providerId="LiveId" clId="{6D7995D0-6D12-7441-A7A8-BA6591145C00}" dt="2025-08-12T09:58:00.791" v="3" actId="478"/>
+          <ac:spMkLst>
+            <pc:docMk/>
+            <pc:sldMk cId="4120474075" sldId="2771"/>
+            <ac:spMk id="6" creationId="{D261D712-2D5E-6750-6F8E-245EC7569FBA}"/>
+          </ac:spMkLst>
+        </pc:spChg>
+      </pc:sldChg>
+    </pc:docChg>
+  </pc:docChgLst>
+  <pc:docChgLst>
     <pc:chgData name="Xin Luo" userId="82312ee5779919a4" providerId="LiveId" clId="{9073B790-108B-9A41-B544-91FBC3D671E5}"/>
     <pc:docChg chg="custSel delSld modSld sldOrd">
       <pc:chgData name="Xin Luo" userId="82312ee5779919a4" providerId="LiveId" clId="{9073B790-108B-9A41-B544-91FBC3D671E5}" dt="2025-05-08T15:08:38.626" v="318" actId="20578"/>
@@ -1740,38 +1132,6 @@
           <pc:docMk/>
           <pc:sldMk cId="1576120367" sldId="2387"/>
         </pc:sldMkLst>
-        <pc:spChg chg="mod">
-          <ac:chgData name="Xin Luo" userId="82312ee5779919a4" providerId="LiveId" clId="{9073B790-108B-9A41-B544-91FBC3D671E5}" dt="2025-05-08T15:06:54.751" v="150" actId="20577"/>
-          <ac:spMkLst>
-            <pc:docMk/>
-            <pc:sldMk cId="1576120367" sldId="2387"/>
-            <ac:spMk id="5" creationId="{494DAA55-5621-28DB-D255-E0EBB6C6477B}"/>
-          </ac:spMkLst>
-        </pc:spChg>
-        <pc:spChg chg="mod">
-          <ac:chgData name="Xin Luo" userId="82312ee5779919a4" providerId="LiveId" clId="{9073B790-108B-9A41-B544-91FBC3D671E5}" dt="2025-05-08T15:07:42.200" v="225" actId="1076"/>
-          <ac:spMkLst>
-            <pc:docMk/>
-            <pc:sldMk cId="1576120367" sldId="2387"/>
-            <ac:spMk id="6" creationId="{00000000-0000-0000-0000-000000000000}"/>
-          </ac:spMkLst>
-        </pc:spChg>
-        <pc:spChg chg="mod">
-          <ac:chgData name="Xin Luo" userId="82312ee5779919a4" providerId="LiveId" clId="{9073B790-108B-9A41-B544-91FBC3D671E5}" dt="2025-05-08T15:07:39.103" v="224" actId="20577"/>
-          <ac:spMkLst>
-            <pc:docMk/>
-            <pc:sldMk cId="1576120367" sldId="2387"/>
-            <ac:spMk id="12" creationId="{00000000-0000-0000-0000-000000000000}"/>
-          </ac:spMkLst>
-        </pc:spChg>
-        <pc:spChg chg="mod">
-          <ac:chgData name="Xin Luo" userId="82312ee5779919a4" providerId="LiveId" clId="{9073B790-108B-9A41-B544-91FBC3D671E5}" dt="2025-05-08T15:07:25.228" v="194" actId="20577"/>
-          <ac:spMkLst>
-            <pc:docMk/>
-            <pc:sldMk cId="1576120367" sldId="2387"/>
-            <ac:spMk id="14" creationId="{00000000-0000-0000-0000-000000000000}"/>
-          </ac:spMkLst>
-        </pc:spChg>
       </pc:sldChg>
       <pc:sldChg chg="modSp mod">
         <pc:chgData name="Xin Luo" userId="82312ee5779919a4" providerId="LiveId" clId="{9073B790-108B-9A41-B544-91FBC3D671E5}" dt="2025-05-08T15:07:54.688" v="256" actId="20577"/>
@@ -1779,14 +1139,6 @@
           <pc:docMk/>
           <pc:sldMk cId="2415901206" sldId="2447"/>
         </pc:sldMkLst>
-        <pc:spChg chg="mod">
-          <ac:chgData name="Xin Luo" userId="82312ee5779919a4" providerId="LiveId" clId="{9073B790-108B-9A41-B544-91FBC3D671E5}" dt="2025-05-08T15:07:54.688" v="256" actId="20577"/>
-          <ac:spMkLst>
-            <pc:docMk/>
-            <pc:sldMk cId="2415901206" sldId="2447"/>
-            <ac:spMk id="7" creationId="{00000000-0000-0000-0000-000000000000}"/>
-          </ac:spMkLst>
-        </pc:spChg>
       </pc:sldChg>
       <pc:sldChg chg="modSp mod">
         <pc:chgData name="Xin Luo" userId="82312ee5779919a4" providerId="LiveId" clId="{9073B790-108B-9A41-B544-91FBC3D671E5}" dt="2025-05-08T15:06:05.338" v="98" actId="20577"/>
@@ -1794,22 +1146,6 @@
           <pc:docMk/>
           <pc:sldMk cId="1658607177" sldId="2708"/>
         </pc:sldMkLst>
-        <pc:spChg chg="mod">
-          <ac:chgData name="Xin Luo" userId="82312ee5779919a4" providerId="LiveId" clId="{9073B790-108B-9A41-B544-91FBC3D671E5}" dt="2025-05-08T15:06:05.338" v="98" actId="20577"/>
-          <ac:spMkLst>
-            <pc:docMk/>
-            <pc:sldMk cId="1658607177" sldId="2708"/>
-            <ac:spMk id="3" creationId="{E375549C-74EF-2C8F-6432-2C52B803FB1B}"/>
-          </ac:spMkLst>
-        </pc:spChg>
-        <pc:spChg chg="mod">
-          <ac:chgData name="Xin Luo" userId="82312ee5779919a4" providerId="LiveId" clId="{9073B790-108B-9A41-B544-91FBC3D671E5}" dt="2025-05-08T15:05:53.449" v="82" actId="20577"/>
-          <ac:spMkLst>
-            <pc:docMk/>
-            <pc:sldMk cId="1658607177" sldId="2708"/>
-            <ac:spMk id="24" creationId="{00000000-0000-0000-0000-000000000000}"/>
-          </ac:spMkLst>
-        </pc:spChg>
       </pc:sldChg>
       <pc:sldChg chg="modSp mod">
         <pc:chgData name="Xin Luo" userId="82312ee5779919a4" providerId="LiveId" clId="{9073B790-108B-9A41-B544-91FBC3D671E5}" dt="2025-05-08T15:08:09.867" v="289" actId="20577"/>
@@ -1817,14 +1153,6 @@
           <pc:docMk/>
           <pc:sldMk cId="481122590" sldId="2709"/>
         </pc:sldMkLst>
-        <pc:spChg chg="mod">
-          <ac:chgData name="Xin Luo" userId="82312ee5779919a4" providerId="LiveId" clId="{9073B790-108B-9A41-B544-91FBC3D671E5}" dt="2025-05-08T15:08:09.867" v="289" actId="20577"/>
-          <ac:spMkLst>
-            <pc:docMk/>
-            <pc:sldMk cId="481122590" sldId="2709"/>
-            <ac:spMk id="7" creationId="{00000000-0000-0000-0000-000000000000}"/>
-          </ac:spMkLst>
-        </pc:spChg>
       </pc:sldChg>
       <pc:sldChg chg="ord">
         <pc:chgData name="Xin Luo" userId="82312ee5779919a4" providerId="LiveId" clId="{9073B790-108B-9A41-B544-91FBC3D671E5}" dt="2025-05-08T15:08:38.626" v="318" actId="20578"/>
@@ -1839,14 +1167,6 @@
           <pc:docMk/>
           <pc:sldMk cId="972163772" sldId="2720"/>
         </pc:sldMkLst>
-        <pc:spChg chg="mod">
-          <ac:chgData name="Xin Luo" userId="82312ee5779919a4" providerId="LiveId" clId="{9073B790-108B-9A41-B544-91FBC3D671E5}" dt="2025-05-08T15:08:23.041" v="317" actId="20577"/>
-          <ac:spMkLst>
-            <pc:docMk/>
-            <pc:sldMk cId="972163772" sldId="2720"/>
-            <ac:spMk id="7" creationId="{00000000-0000-0000-0000-000000000000}"/>
-          </ac:spMkLst>
-        </pc:spChg>
       </pc:sldChg>
       <pc:sldChg chg="del">
         <pc:chgData name="Xin Luo" userId="82312ee5779919a4" providerId="LiveId" clId="{9073B790-108B-9A41-B544-91FBC3D671E5}" dt="2025-05-08T15:05:09.672" v="25" actId="2696"/>
@@ -1882,14 +1202,6 @@
           <pc:docMk/>
           <pc:sldMk cId="1125183986" sldId="2760"/>
         </pc:sldMkLst>
-        <pc:spChg chg="mod">
-          <ac:chgData name="Xin Luo" userId="82312ee5779919a4" providerId="LiveId" clId="{9073B790-108B-9A41-B544-91FBC3D671E5}" dt="2025-05-08T15:05:06.820" v="23" actId="14100"/>
-          <ac:spMkLst>
-            <pc:docMk/>
-            <pc:sldMk cId="1125183986" sldId="2760"/>
-            <ac:spMk id="13" creationId="{303BC878-BC57-D350-27A3-F03AE48213AC}"/>
-          </ac:spMkLst>
-        </pc:spChg>
       </pc:sldChg>
       <pc:sldChg chg="del">
         <pc:chgData name="Xin Luo" userId="82312ee5779919a4" providerId="LiveId" clId="{9073B790-108B-9A41-B544-91FBC3D671E5}" dt="2025-05-08T15:05:09.671" v="24" actId="2696"/>
@@ -2295,30 +1607,6 @@
           <pc:docMk/>
           <pc:sldMk cId="1576120367" sldId="2387"/>
         </pc:sldMkLst>
-        <pc:spChg chg="mod">
-          <ac:chgData name="Xin Luo" userId="82312ee5779919a4" providerId="LiveId" clId="{FCEC1DB3-1553-A84D-BEB3-196FBFC1F716}" dt="2025-05-08T15:24:17.728" v="50" actId="20577"/>
-          <ac:spMkLst>
-            <pc:docMk/>
-            <pc:sldMk cId="1576120367" sldId="2387"/>
-            <ac:spMk id="5" creationId="{494DAA55-5621-28DB-D255-E0EBB6C6477B}"/>
-          </ac:spMkLst>
-        </pc:spChg>
-        <pc:spChg chg="mod">
-          <ac:chgData name="Xin Luo" userId="82312ee5779919a4" providerId="LiveId" clId="{FCEC1DB3-1553-A84D-BEB3-196FBFC1F716}" dt="2025-05-08T15:24:38.315" v="107" actId="20577"/>
-          <ac:spMkLst>
-            <pc:docMk/>
-            <pc:sldMk cId="1576120367" sldId="2387"/>
-            <ac:spMk id="12" creationId="{00000000-0000-0000-0000-000000000000}"/>
-          </ac:spMkLst>
-        </pc:spChg>
-        <pc:spChg chg="mod">
-          <ac:chgData name="Xin Luo" userId="82312ee5779919a4" providerId="LiveId" clId="{FCEC1DB3-1553-A84D-BEB3-196FBFC1F716}" dt="2025-05-08T15:24:28.672" v="88" actId="20577"/>
-          <ac:spMkLst>
-            <pc:docMk/>
-            <pc:sldMk cId="1576120367" sldId="2387"/>
-            <ac:spMk id="14" creationId="{00000000-0000-0000-0000-000000000000}"/>
-          </ac:spMkLst>
-        </pc:spChg>
       </pc:sldChg>
       <pc:sldChg chg="modSp mod">
         <pc:chgData name="Xin Luo" userId="82312ee5779919a4" providerId="LiveId" clId="{FCEC1DB3-1553-A84D-BEB3-196FBFC1F716}" dt="2025-05-08T15:24:52.755" v="136" actId="20577"/>
@@ -2326,14 +1614,6 @@
           <pc:docMk/>
           <pc:sldMk cId="2415901206" sldId="2447"/>
         </pc:sldMkLst>
-        <pc:spChg chg="mod">
-          <ac:chgData name="Xin Luo" userId="82312ee5779919a4" providerId="LiveId" clId="{FCEC1DB3-1553-A84D-BEB3-196FBFC1F716}" dt="2025-05-08T15:24:52.755" v="136" actId="20577"/>
-          <ac:spMkLst>
-            <pc:docMk/>
-            <pc:sldMk cId="2415901206" sldId="2447"/>
-            <ac:spMk id="7" creationId="{00000000-0000-0000-0000-000000000000}"/>
-          </ac:spMkLst>
-        </pc:spChg>
       </pc:sldChg>
       <pc:sldChg chg="modSp mod">
         <pc:chgData name="Xin Luo" userId="82312ee5779919a4" providerId="LiveId" clId="{FCEC1DB3-1553-A84D-BEB3-196FBFC1F716}" dt="2025-05-08T15:22:52.715" v="29" actId="20577"/>
@@ -2341,22 +1621,6 @@
           <pc:docMk/>
           <pc:sldMk cId="1658607177" sldId="2708"/>
         </pc:sldMkLst>
-        <pc:spChg chg="mod">
-          <ac:chgData name="Xin Luo" userId="82312ee5779919a4" providerId="LiveId" clId="{FCEC1DB3-1553-A84D-BEB3-196FBFC1F716}" dt="2025-05-08T15:22:52.715" v="29" actId="20577"/>
-          <ac:spMkLst>
-            <pc:docMk/>
-            <pc:sldMk cId="1658607177" sldId="2708"/>
-            <ac:spMk id="3" creationId="{E375549C-74EF-2C8F-6432-2C52B803FB1B}"/>
-          </ac:spMkLst>
-        </pc:spChg>
-        <pc:spChg chg="mod">
-          <ac:chgData name="Xin Luo" userId="82312ee5779919a4" providerId="LiveId" clId="{FCEC1DB3-1553-A84D-BEB3-196FBFC1F716}" dt="2025-05-08T15:22:49.676" v="26" actId="20577"/>
-          <ac:spMkLst>
-            <pc:docMk/>
-            <pc:sldMk cId="1658607177" sldId="2708"/>
-            <ac:spMk id="24" creationId="{00000000-0000-0000-0000-000000000000}"/>
-          </ac:spMkLst>
-        </pc:spChg>
       </pc:sldChg>
       <pc:sldChg chg="modSp mod">
         <pc:chgData name="Xin Luo" userId="82312ee5779919a4" providerId="LiveId" clId="{FCEC1DB3-1553-A84D-BEB3-196FBFC1F716}" dt="2025-05-08T15:25:39.642" v="181" actId="20577"/>
@@ -2364,14 +1628,6 @@
           <pc:docMk/>
           <pc:sldMk cId="481122590" sldId="2709"/>
         </pc:sldMkLst>
-        <pc:spChg chg="mod">
-          <ac:chgData name="Xin Luo" userId="82312ee5779919a4" providerId="LiveId" clId="{FCEC1DB3-1553-A84D-BEB3-196FBFC1F716}" dt="2025-05-08T15:25:39.642" v="181" actId="20577"/>
-          <ac:spMkLst>
-            <pc:docMk/>
-            <pc:sldMk cId="481122590" sldId="2709"/>
-            <ac:spMk id="7" creationId="{00000000-0000-0000-0000-000000000000}"/>
-          </ac:spMkLst>
-        </pc:spChg>
       </pc:sldChg>
       <pc:sldChg chg="modSp mod">
         <pc:chgData name="Xin Luo" userId="82312ee5779919a4" providerId="LiveId" clId="{FCEC1DB3-1553-A84D-BEB3-196FBFC1F716}" dt="2025-05-08T15:25:50.393" v="210" actId="20577"/>
@@ -2379,14 +1635,6 @@
           <pc:docMk/>
           <pc:sldMk cId="972163772" sldId="2720"/>
         </pc:sldMkLst>
-        <pc:spChg chg="mod">
-          <ac:chgData name="Xin Luo" userId="82312ee5779919a4" providerId="LiveId" clId="{FCEC1DB3-1553-A84D-BEB3-196FBFC1F716}" dt="2025-05-08T15:25:50.393" v="210" actId="20577"/>
-          <ac:spMkLst>
-            <pc:docMk/>
-            <pc:sldMk cId="972163772" sldId="2720"/>
-            <ac:spMk id="7" creationId="{00000000-0000-0000-0000-000000000000}"/>
-          </ac:spMkLst>
-        </pc:spChg>
       </pc:sldChg>
       <pc:sldChg chg="del">
         <pc:chgData name="Xin Luo" userId="82312ee5779919a4" providerId="LiveId" clId="{FCEC1DB3-1553-A84D-BEB3-196FBFC1F716}" dt="2025-05-08T15:25:22.706" v="140" actId="2696"/>
@@ -2708,14 +1956,6 @@
           <pc:docMk/>
           <pc:sldMk cId="2415901206" sldId="2447"/>
         </pc:sldMkLst>
-        <pc:spChg chg="mod">
-          <ac:chgData name="Xin Luo" userId="82312ee5779919a4" providerId="LiveId" clId="{743256A7-6CE7-B242-894F-C640845B5FDB}" dt="2025-05-08T15:20:46.798" v="105" actId="20577"/>
-          <ac:spMkLst>
-            <pc:docMk/>
-            <pc:sldMk cId="2415901206" sldId="2447"/>
-            <ac:spMk id="7" creationId="{00000000-0000-0000-0000-000000000000}"/>
-          </ac:spMkLst>
-        </pc:spChg>
       </pc:sldChg>
       <pc:sldChg chg="modSp mod">
         <pc:chgData name="Xin Luo" userId="82312ee5779919a4" providerId="LiveId" clId="{743256A7-6CE7-B242-894F-C640845B5FDB}" dt="2025-05-08T15:19:20.037" v="22" actId="20577"/>
@@ -2723,22 +1963,6 @@
           <pc:docMk/>
           <pc:sldMk cId="1658607177" sldId="2708"/>
         </pc:sldMkLst>
-        <pc:spChg chg="mod">
-          <ac:chgData name="Xin Luo" userId="82312ee5779919a4" providerId="LiveId" clId="{743256A7-6CE7-B242-894F-C640845B5FDB}" dt="2025-05-08T15:19:20.037" v="22" actId="20577"/>
-          <ac:spMkLst>
-            <pc:docMk/>
-            <pc:sldMk cId="1658607177" sldId="2708"/>
-            <ac:spMk id="3" creationId="{E375549C-74EF-2C8F-6432-2C52B803FB1B}"/>
-          </ac:spMkLst>
-        </pc:spChg>
-        <pc:spChg chg="mod">
-          <ac:chgData name="Xin Luo" userId="82312ee5779919a4" providerId="LiveId" clId="{743256A7-6CE7-B242-894F-C640845B5FDB}" dt="2025-05-08T15:19:16.924" v="19" actId="20577"/>
-          <ac:spMkLst>
-            <pc:docMk/>
-            <pc:sldMk cId="1658607177" sldId="2708"/>
-            <ac:spMk id="24" creationId="{00000000-0000-0000-0000-000000000000}"/>
-          </ac:spMkLst>
-        </pc:spChg>
       </pc:sldChg>
       <pc:sldChg chg="del">
         <pc:chgData name="Xin Luo" userId="82312ee5779919a4" providerId="LiveId" clId="{743256A7-6CE7-B242-894F-C640845B5FDB}" dt="2025-05-08T15:21:00.169" v="107" actId="2696"/>
@@ -3009,62 +2233,6 @@
           <pc:docMk/>
           <pc:sldMk cId="1924830660" sldId="2774"/>
         </pc:sldMkLst>
-        <pc:spChg chg="mod">
-          <ac:chgData name="Xin Luo" userId="82312ee5779919a4" providerId="LiveId" clId="{EC6CD411-4DB4-4D4B-8848-3139AC647B53}" dt="2025-05-30T02:39:28.406" v="183" actId="1035"/>
-          <ac:spMkLst>
-            <pc:docMk/>
-            <pc:sldMk cId="1924830660" sldId="2774"/>
-            <ac:spMk id="8" creationId="{F429ECC1-FD08-5BCA-D032-F62CB02D7C14}"/>
-          </ac:spMkLst>
-        </pc:spChg>
-        <pc:spChg chg="add mod">
-          <ac:chgData name="Xin Luo" userId="82312ee5779919a4" providerId="LiveId" clId="{EC6CD411-4DB4-4D4B-8848-3139AC647B53}" dt="2025-05-30T02:36:18.478" v="109" actId="1035"/>
-          <ac:spMkLst>
-            <pc:docMk/>
-            <pc:sldMk cId="1924830660" sldId="2774"/>
-            <ac:spMk id="10" creationId="{228DB233-A4B3-AE96-02A1-7398870AF2BF}"/>
-          </ac:spMkLst>
-        </pc:spChg>
-        <pc:spChg chg="add mod">
-          <ac:chgData name="Xin Luo" userId="82312ee5779919a4" providerId="LiveId" clId="{EC6CD411-4DB4-4D4B-8848-3139AC647B53}" dt="2025-05-30T02:39:44.265" v="191" actId="123"/>
-          <ac:spMkLst>
-            <pc:docMk/>
-            <pc:sldMk cId="1924830660" sldId="2774"/>
-            <ac:spMk id="11" creationId="{7B200A41-1CA0-AF5C-77E7-C987B042295D}"/>
-          </ac:spMkLst>
-        </pc:spChg>
-        <pc:spChg chg="add mod">
-          <ac:chgData name="Xin Luo" userId="82312ee5779919a4" providerId="LiveId" clId="{EC6CD411-4DB4-4D4B-8848-3139AC647B53}" dt="2025-05-30T02:40:08.513" v="196" actId="207"/>
-          <ac:spMkLst>
-            <pc:docMk/>
-            <pc:sldMk cId="1924830660" sldId="2774"/>
-            <ac:spMk id="12" creationId="{68D492B7-FE46-F4F0-804E-338BD5233C5E}"/>
-          </ac:spMkLst>
-        </pc:spChg>
-        <pc:spChg chg="add mod">
-          <ac:chgData name="Xin Luo" userId="82312ee5779919a4" providerId="LiveId" clId="{EC6CD411-4DB4-4D4B-8848-3139AC647B53}" dt="2025-05-30T02:40:19.504" v="197" actId="208"/>
-          <ac:spMkLst>
-            <pc:docMk/>
-            <pc:sldMk cId="1924830660" sldId="2774"/>
-            <ac:spMk id="13" creationId="{5FE8CC5E-3AF7-5F91-A9AD-BE35862F1672}"/>
-          </ac:spMkLst>
-        </pc:spChg>
-        <pc:grpChg chg="add mod">
-          <ac:chgData name="Xin Luo" userId="82312ee5779919a4" providerId="LiveId" clId="{EC6CD411-4DB4-4D4B-8848-3139AC647B53}" dt="2025-05-30T02:38:52.776" v="168" actId="1076"/>
-          <ac:grpSpMkLst>
-            <pc:docMk/>
-            <pc:sldMk cId="1924830660" sldId="2774"/>
-            <ac:grpSpMk id="14" creationId="{FCB8B538-B396-C793-D833-039BAF389254}"/>
-          </ac:grpSpMkLst>
-        </pc:grpChg>
-        <pc:picChg chg="mod">
-          <ac:chgData name="Xin Luo" userId="82312ee5779919a4" providerId="LiveId" clId="{EC6CD411-4DB4-4D4B-8848-3139AC647B53}" dt="2025-05-30T02:36:30.650" v="115" actId="1076"/>
-          <ac:picMkLst>
-            <pc:docMk/>
-            <pc:sldMk cId="1924830660" sldId="2774"/>
-            <ac:picMk id="5" creationId="{8C63A14D-73FF-7F83-90A1-C8C2FCC1A642}"/>
-          </ac:picMkLst>
-        </pc:picChg>
       </pc:sldChg>
     </pc:docChg>
   </pc:docChgLst>
@@ -3417,6 +2585,29 @@
     </pc:docChg>
   </pc:docChgLst>
   <pc:docChgLst>
+    <pc:chgData name="Xin Luo" userId="82312ee5779919a4" providerId="LiveId" clId="{D28526AD-BB72-0B4E-9638-04907E1F3622}"/>
+    <pc:docChg chg="delSld modSld">
+      <pc:chgData name="Xin Luo" userId="82312ee5779919a4" providerId="LiveId" clId="{D28526AD-BB72-0B4E-9638-04907E1F3622}" dt="2023-09-18T01:27:13.837" v="116" actId="2696"/>
+      <pc:docMkLst>
+        <pc:docMk/>
+      </pc:docMkLst>
+      <pc:sldChg chg="modSp mod">
+        <pc:chgData name="Xin Luo" userId="82312ee5779919a4" providerId="LiveId" clId="{D28526AD-BB72-0B4E-9638-04907E1F3622}" dt="2023-09-18T01:27:09.604" v="115" actId="255"/>
+        <pc:sldMkLst>
+          <pc:docMk/>
+          <pc:sldMk cId="1209572041" sldId="2722"/>
+        </pc:sldMkLst>
+      </pc:sldChg>
+      <pc:sldChg chg="del">
+        <pc:chgData name="Xin Luo" userId="82312ee5779919a4" providerId="LiveId" clId="{D28526AD-BB72-0B4E-9638-04907E1F3622}" dt="2023-09-18T01:27:13.837" v="116" actId="2696"/>
+        <pc:sldMkLst>
+          <pc:docMk/>
+          <pc:sldMk cId="2476237792" sldId="2741"/>
+        </pc:sldMkLst>
+      </pc:sldChg>
+    </pc:docChg>
+  </pc:docChgLst>
+  <pc:docChgLst>
     <pc:chgData name="Xin Luo" userId="82312ee5779919a4" providerId="LiveId" clId="{ABECCF1F-1CAA-3A42-9710-47D9CB1C5B21}"/>
     <pc:docChg chg="undo custSel addSld modSld sldOrd">
       <pc:chgData name="Xin Luo" userId="82312ee5779919a4" providerId="LiveId" clId="{ABECCF1F-1CAA-3A42-9710-47D9CB1C5B21}" dt="2023-08-21T09:31:16.266" v="879" actId="20577"/>
@@ -3484,29 +2675,6 @@
         <pc:sldMkLst>
           <pc:docMk/>
           <pc:sldMk cId="3593416967" sldId="2755"/>
-        </pc:sldMkLst>
-      </pc:sldChg>
-    </pc:docChg>
-  </pc:docChgLst>
-  <pc:docChgLst>
-    <pc:chgData name="Xin Luo" userId="82312ee5779919a4" providerId="LiveId" clId="{D28526AD-BB72-0B4E-9638-04907E1F3622}"/>
-    <pc:docChg chg="delSld modSld">
-      <pc:chgData name="Xin Luo" userId="82312ee5779919a4" providerId="LiveId" clId="{D28526AD-BB72-0B4E-9638-04907E1F3622}" dt="2023-09-18T01:27:13.837" v="116" actId="2696"/>
-      <pc:docMkLst>
-        <pc:docMk/>
-      </pc:docMkLst>
-      <pc:sldChg chg="modSp mod">
-        <pc:chgData name="Xin Luo" userId="82312ee5779919a4" providerId="LiveId" clId="{D28526AD-BB72-0B4E-9638-04907E1F3622}" dt="2023-09-18T01:27:09.604" v="115" actId="255"/>
-        <pc:sldMkLst>
-          <pc:docMk/>
-          <pc:sldMk cId="1209572041" sldId="2722"/>
-        </pc:sldMkLst>
-      </pc:sldChg>
-      <pc:sldChg chg="del">
-        <pc:chgData name="Xin Luo" userId="82312ee5779919a4" providerId="LiveId" clId="{D28526AD-BB72-0B4E-9638-04907E1F3622}" dt="2023-09-18T01:27:13.837" v="116" actId="2696"/>
-        <pc:sldMkLst>
-          <pc:docMk/>
-          <pc:sldMk cId="2476237792" sldId="2741"/>
         </pc:sldMkLst>
       </pc:sldChg>
     </pc:docChg>
@@ -3921,7 +3089,7 @@
               </a14:hiddenFill>
             </a:ext>
             <a:ext uri="{FAA26D3D-D897-4be2-8F04-BA451C77F1D7}">
-              <ma14:placeholderFlag xmlns="" xmlns:ma14="http://schemas.microsoft.com/office/mac/drawingml/2011/main" val="1"/>
+              <ma14:placeholderFlag xmlns:ma14="http://schemas.microsoft.com/office/mac/drawingml/2011/main" xmlns="" val="1"/>
             </a:ext>
           </a:extLst>
         </p:spPr>
@@ -4305,7 +3473,7 @@
               </a14:hiddenLine>
             </a:ext>
             <a:ext uri="{FAA26D3D-D897-4be2-8F04-BA451C77F1D7}">
-              <ma14:placeholderFlag xmlns="" xmlns:ma14="http://schemas.microsoft.com/office/mac/drawingml/2011/main" val="1"/>
+              <ma14:placeholderFlag xmlns:ma14="http://schemas.microsoft.com/office/mac/drawingml/2011/main" xmlns="" val="1"/>
             </a:ext>
           </a:extLst>
         </p:spPr>
@@ -7973,7 +7141,7 @@
               </a14:hiddenLine>
             </a:ext>
             <a:ext uri="{FAA26D3D-D897-4be2-8F04-BA451C77F1D7}">
-              <ma14:placeholderFlag xmlns="" xmlns:ma14="http://schemas.microsoft.com/office/mac/drawingml/2011/main" val="1"/>
+              <ma14:placeholderFlag xmlns:ma14="http://schemas.microsoft.com/office/mac/drawingml/2011/main" xmlns="" val="1"/>
             </a:ext>
           </a:extLst>
         </p:spPr>
@@ -11664,7 +10832,7 @@
               </a14:hiddenLine>
             </a:ext>
             <a:ext uri="{FAA26D3D-D897-4be2-8F04-BA451C77F1D7}">
-              <ma14:placeholderFlag xmlns="" xmlns:ma14="http://schemas.microsoft.com/office/mac/drawingml/2011/main" val="1"/>
+              <ma14:placeholderFlag xmlns:ma14="http://schemas.microsoft.com/office/mac/drawingml/2011/main" xmlns="" val="1"/>
             </a:ext>
           </a:extLst>
         </p:spPr>
